--- a/Hashtables Presentation.pptx
+++ b/Hashtables Presentation.pptx
@@ -1215,7 +1215,7 @@
       </p:grpSpPr>
       <p:sp>
         <p:nvSpPr>
-          <p:cNvPr id="57" name="Google Shape;57;gf6fbec5920_9_54:notes"/>
+          <p:cNvPr id="57" name="Google Shape;57;gf31d167c05_1_0:notes"/>
           <p:cNvSpPr/>
           <p:nvPr>
             <p:ph idx="2" type="sldImg"/>
@@ -1250,7 +1250,7 @@
       </p:sp>
       <p:sp>
         <p:nvSpPr>
-          <p:cNvPr id="58" name="Google Shape;58;gf6fbec5920_9_54:notes"/>
+          <p:cNvPr id="58" name="Google Shape;58;gf31d167c05_1_0:notes"/>
           <p:cNvSpPr txBox="1"/>
           <p:nvPr>
             <p:ph idx="1" type="body"/>
@@ -1281,7 +1281,12 @@
               <a:buNone/>
             </a:pPr>
             <a:r>
-              <a:t/>
+              <a:rPr lang="en"/>
+              <a:t>Just </a:t>
+            </a:r>
+            <a:r>
+              <a:rPr lang="en"/>
+              <a:t>modified the background color to lighter grey and green. Added the border lines for tables.</a:t>
             </a:r>
             <a:endParaRPr/>
           </a:p>
@@ -6998,7 +7003,7 @@
             <a:tbl>
               <a:tblPr>
                 <a:noFill/>
-                <a:tableStyleId>{0534EAA1-46AA-4E3D-8985-C276C3C8D764}</a:tableStyleId>
+                <a:tableStyleId>{8F6F2F6E-AF19-4726-B221-F752182BEC99}</a:tableStyleId>
               </a:tblPr>
               <a:tblGrid>
                 <a:gridCol w="1221575"/>
@@ -7942,8 +7947,8 @@
         </p:blipFill>
         <p:spPr>
           <a:xfrm>
-            <a:off x="214300" y="20538"/>
-            <a:ext cx="8715392" cy="5102425"/>
+            <a:off x="73575" y="0"/>
+            <a:ext cx="8939686" cy="5143500"/>
           </a:xfrm>
           <a:prstGeom prst="rect">
             <a:avLst/>
